--- a/Meiru Zhong_Data Analysis.pptx
+++ b/Meiru Zhong_Data Analysis.pptx
@@ -14623,7 +14623,7 @@
         <p:spPr>
           <a:xfrm>
             <a:off x="1030605" y="4008120"/>
-            <a:ext cx="7082155" cy="2449830"/>
+            <a:ext cx="7082155" cy="1270000"/>
           </a:xfrm>
           <a:prstGeom prst="rect">
             <a:avLst/>
@@ -14665,7 +14665,7 @@
                 <a:cs typeface="Calibri"/>
                 <a:sym typeface="Calibri"/>
               </a:rPr>
-              <a:t>Overall, there are 368 borrowers should be targeted. </a:t>
+              <a:t>Overall, there are 348 borrowers should be targeted. These targets </a:t>
             </a:r>
             <a:r>
               <a:rPr lang="en-US" sz="1600">
@@ -14677,36 +14677,8 @@
                 <a:cs typeface="Calibri"/>
                 <a:sym typeface="Calibri"/>
               </a:rPr>
-              <a:t>These targets all have annual income above $218,000, appraised home value above $435,000, and LTV ratio below 80%.</a:t>
+              <a:t>aged 35 to 44 with homes in locations with 70%-80% minority population, </a:t>
             </a:r>
-            <a:endParaRPr lang="en-US" sz="1600">
-              <a:solidFill>
-                <a:schemeClr val="dk1"/>
-              </a:solidFill>
-              <a:latin typeface="Calibri"/>
-              <a:ea typeface="Calibri"/>
-              <a:cs typeface="Calibri"/>
-              <a:sym typeface="Calibri"/>
-            </a:endParaRPr>
-          </a:p>
-          <a:p>
-            <a:pPr marL="285750" marR="0" lvl="0" indent="-285750" algn="l" rtl="0">
-              <a:lnSpc>
-                <a:spcPct val="120000"/>
-              </a:lnSpc>
-              <a:spcBef>
-                <a:spcPts val="0"/>
-              </a:spcBef>
-              <a:spcAft>
-                <a:spcPts val="0"/>
-              </a:spcAft>
-              <a:buClr>
-                <a:schemeClr val="dk1"/>
-              </a:buClr>
-              <a:buSzPts val="1600"/>
-              <a:buFont typeface="Arial" panose="020B0604020202090204"/>
-              <a:buChar char="•"/>
-            </a:pPr>
             <a:r>
               <a:rPr lang="en-US" sz="1600">
                 <a:solidFill>
@@ -14717,76 +14689,8 @@
                 <a:cs typeface="Calibri"/>
                 <a:sym typeface="Calibri"/>
               </a:rPr>
-              <a:t>Among them 95% aged 35 to 44 and have homes in locations with 70%-80% minority population. </a:t>
+              <a:t>annual income above $218,000, appraised home value above $435,000, and LTV ratio below 80%.</a:t>
             </a:r>
-            <a:endParaRPr lang="en-US" sz="1600">
-              <a:solidFill>
-                <a:schemeClr val="dk1"/>
-              </a:solidFill>
-              <a:latin typeface="Calibri"/>
-              <a:ea typeface="Calibri"/>
-              <a:cs typeface="Calibri"/>
-              <a:sym typeface="Calibri"/>
-            </a:endParaRPr>
-          </a:p>
-          <a:p>
-            <a:pPr marL="285750" marR="0" lvl="0" indent="-285750" algn="l" rtl="0">
-              <a:lnSpc>
-                <a:spcPct val="120000"/>
-              </a:lnSpc>
-              <a:spcBef>
-                <a:spcPts val="0"/>
-              </a:spcBef>
-              <a:spcAft>
-                <a:spcPts val="0"/>
-              </a:spcAft>
-              <a:buClr>
-                <a:schemeClr val="dk1"/>
-              </a:buClr>
-              <a:buSzPts val="1600"/>
-              <a:buFont typeface="Arial" panose="020B0604020202090204"/>
-              <a:buChar char="•"/>
-            </a:pPr>
-            <a:r>
-              <a:rPr lang="en-US" sz="1600">
-                <a:solidFill>
-                  <a:schemeClr val="dk1"/>
-                </a:solidFill>
-                <a:latin typeface="Calibri"/>
-                <a:ea typeface="Calibri"/>
-                <a:cs typeface="Calibri"/>
-                <a:sym typeface="Calibri"/>
-              </a:rPr>
-              <a:t>The other 5% aged below 25 and have homes in locations with 60%-70% minority population. </a:t>
-            </a:r>
-            <a:endParaRPr sz="1600">
-              <a:solidFill>
-                <a:schemeClr val="dk1"/>
-              </a:solidFill>
-              <a:latin typeface="Calibri"/>
-              <a:ea typeface="Calibri"/>
-              <a:cs typeface="Calibri"/>
-              <a:sym typeface="Calibri"/>
-            </a:endParaRPr>
-          </a:p>
-          <a:p>
-            <a:pPr marL="285750" marR="0" lvl="0" indent="-184150" algn="l" rtl="0">
-              <a:lnSpc>
-                <a:spcPct val="120000"/>
-              </a:lnSpc>
-              <a:spcBef>
-                <a:spcPts val="0"/>
-              </a:spcBef>
-              <a:spcAft>
-                <a:spcPts val="0"/>
-              </a:spcAft>
-              <a:buClr>
-                <a:schemeClr val="dk1"/>
-              </a:buClr>
-              <a:buSzPts val="1600"/>
-              <a:buFont typeface="Arial" panose="020B0604020202090204"/>
-              <a:buNone/>
-            </a:pPr>
             <a:endParaRPr sz="1600">
               <a:solidFill>
                 <a:schemeClr val="dk1"/>
@@ -14801,7 +14705,7 @@
       </p:sp>
       <p:pic>
         <p:nvPicPr>
-          <p:cNvPr id="6" name="Picture 5"/>
+          <p:cNvPr id="2" name="Picture 1"/>
           <p:cNvPicPr>
             <a:picLocks noChangeAspect="1"/>
           </p:cNvPicPr>
@@ -14815,8 +14719,8 @@
         </p:blipFill>
         <p:spPr>
           <a:xfrm>
-            <a:off x="2001520" y="1487170"/>
-            <a:ext cx="4964430" cy="1972310"/>
+            <a:off x="1752600" y="1610995"/>
+            <a:ext cx="5638800" cy="1644650"/>
           </a:xfrm>
           <a:prstGeom prst="rect">
             <a:avLst/>
